--- a/Aula 1/1°_ Trabalhando com planilha_ Formulas básicas.pptx
+++ b/Aula 1/1°_ Trabalhando com planilha_ Formulas básicas.pptx
@@ -22,50 +22,51 @@
     <p:sldId id="267" r:id="rId16"/>
     <p:sldId id="268" r:id="rId17"/>
     <p:sldId id="269" r:id="rId18"/>
+    <p:sldId id="270" r:id="rId19"/>
   </p:sldIdLst>
   <p:sldSz cy="5143500" cx="9144000"/>
   <p:notesSz cx="6858000" cy="9144000"/>
   <p:embeddedFontLst>
     <p:embeddedFont>
       <p:font typeface="Roboto Mono Medium"/>
-      <p:regular r:id="rId19"/>
-      <p:bold r:id="rId20"/>
-      <p:italic r:id="rId21"/>
-      <p:boldItalic r:id="rId22"/>
+      <p:regular r:id="rId20"/>
+      <p:bold r:id="rId21"/>
+      <p:italic r:id="rId22"/>
+      <p:boldItalic r:id="rId23"/>
     </p:embeddedFont>
     <p:embeddedFont>
       <p:font typeface="Roboto"/>
-      <p:regular r:id="rId23"/>
-      <p:bold r:id="rId24"/>
-      <p:italic r:id="rId25"/>
-      <p:boldItalic r:id="rId26"/>
+      <p:regular r:id="rId24"/>
+      <p:bold r:id="rId25"/>
+      <p:italic r:id="rId26"/>
+      <p:boldItalic r:id="rId27"/>
     </p:embeddedFont>
     <p:embeddedFont>
       <p:font typeface="Roboto Mono Light"/>
-      <p:regular r:id="rId27"/>
-      <p:bold r:id="rId28"/>
-      <p:italic r:id="rId29"/>
-      <p:boldItalic r:id="rId30"/>
+      <p:regular r:id="rId28"/>
+      <p:bold r:id="rId29"/>
+      <p:italic r:id="rId30"/>
+      <p:boldItalic r:id="rId31"/>
     </p:embeddedFont>
     <p:embeddedFont>
       <p:font typeface="Bebas Neue"/>
-      <p:regular r:id="rId31"/>
+      <p:regular r:id="rId32"/>
     </p:embeddedFont>
     <p:embeddedFont>
       <p:font typeface="PT Sans"/>
-      <p:regular r:id="rId32"/>
-      <p:bold r:id="rId33"/>
-      <p:italic r:id="rId34"/>
-      <p:boldItalic r:id="rId35"/>
+      <p:regular r:id="rId33"/>
+      <p:bold r:id="rId34"/>
+      <p:italic r:id="rId35"/>
+      <p:boldItalic r:id="rId36"/>
     </p:embeddedFont>
     <p:embeddedFont>
       <p:font typeface="Comfortaa"/>
-      <p:regular r:id="rId36"/>
-      <p:bold r:id="rId37"/>
+      <p:regular r:id="rId37"/>
+      <p:bold r:id="rId38"/>
     </p:embeddedFont>
     <p:embeddedFont>
       <p:font typeface="Sedgwick Ave Display"/>
-      <p:regular r:id="rId38"/>
+      <p:regular r:id="rId39"/>
     </p:embeddedFont>
   </p:embeddedFontLst>
   <p:defaultTextStyle>
@@ -1240,7 +1241,7 @@
       </p:grpSpPr>
       <p:sp>
         <p:nvSpPr>
-          <p:cNvPr id="395" name="Google Shape;395;g20df753b756_0_40:notes"/>
+          <p:cNvPr id="395" name="Google Shape;395;g2e2622a1ac8_0_0:notes"/>
           <p:cNvSpPr/>
           <p:nvPr>
             <p:ph idx="2" type="sldImg"/>
@@ -1275,7 +1276,106 @@
       </p:sp>
       <p:sp>
         <p:nvSpPr>
-          <p:cNvPr id="396" name="Google Shape;396;g20df753b756_0_40:notes"/>
+          <p:cNvPr id="396" name="Google Shape;396;g2e2622a1ac8_0_0:notes"/>
+          <p:cNvSpPr txBox="1"/>
+          <p:nvPr>
+            <p:ph idx="1" type="body"/>
+          </p:nvPr>
+        </p:nvSpPr>
+        <p:spPr>
+          <a:xfrm>
+            <a:off x="685800" y="4343400"/>
+            <a:ext cx="5486400" cy="4114800"/>
+          </a:xfrm>
+          <a:prstGeom prst="rect">
+            <a:avLst/>
+          </a:prstGeom>
+        </p:spPr>
+        <p:txBody>
+          <a:bodyPr anchorCtr="0" anchor="t" bIns="91425" lIns="91425" spcFirstLastPara="1" rIns="91425" wrap="square" tIns="91425">
+            <a:noAutofit/>
+          </a:bodyPr>
+          <a:lstStyle/>
+          <a:p>
+            <a:pPr indent="0" lvl="0" marL="0" rtl="0" algn="l">
+              <a:spcBef>
+                <a:spcPts val="0"/>
+              </a:spcBef>
+              <a:spcAft>
+                <a:spcPts val="0"/>
+              </a:spcAft>
+              <a:buNone/>
+            </a:pPr>
+            <a:r>
+              <a:t/>
+            </a:r>
+            <a:endParaRPr/>
+          </a:p>
+        </p:txBody>
+      </p:sp>
+    </p:spTree>
+  </p:cSld>
+  <p:clrMapOvr>
+    <a:masterClrMapping/>
+  </p:clrMapOvr>
+</p:notes>
+</file>
+
+<file path=ppt/notesSlides/notesSlide15.xml><?xml version="1.0" encoding="utf-8"?>
+<p:notes xmlns:a="http://schemas.openxmlformats.org/drawingml/2006/main" xmlns:r="http://schemas.openxmlformats.org/officeDocument/2006/relationships" xmlns:mc="http://schemas.openxmlformats.org/markup-compatibility/2006" xmlns:mv="urn:schemas-microsoft-com:mac:vml" xmlns:p="http://schemas.openxmlformats.org/presentationml/2006/main" xmlns:c="http://schemas.openxmlformats.org/drawingml/2006/chart" xmlns:dgm="http://schemas.openxmlformats.org/drawingml/2006/diagram" xmlns:o="urn:schemas-microsoft-com:office:office" xmlns:v="urn:schemas-microsoft-com:vml" xmlns:pvml="urn:schemas-microsoft-com:office:powerpoint" xmlns:com="http://schemas.openxmlformats.org/drawingml/2006/compatibility" xmlns:p14="http://schemas.microsoft.com/office/powerpoint/2010/main" xmlns:p15="http://schemas.microsoft.com/office/powerpoint/2012/main" xmlns:ahyp="http://schemas.microsoft.com/office/drawing/2018/hyperlinkcolor" showMasterPhAnim="0" showMasterSp="0">
+  <p:cSld>
+    <p:spTree>
+      <p:nvGrpSpPr>
+        <p:cNvPr id="401" name="Shape 401"/>
+        <p:cNvGrpSpPr/>
+        <p:nvPr/>
+      </p:nvGrpSpPr>
+      <p:grpSpPr>
+        <a:xfrm>
+          <a:off x="0" y="0"/>
+          <a:ext cx="0" cy="0"/>
+          <a:chOff x="0" y="0"/>
+          <a:chExt cx="0" cy="0"/>
+        </a:xfrm>
+      </p:grpSpPr>
+      <p:sp>
+        <p:nvSpPr>
+          <p:cNvPr id="402" name="Google Shape;402;g20df753b756_0_40:notes"/>
+          <p:cNvSpPr/>
+          <p:nvPr>
+            <p:ph idx="2" type="sldImg"/>
+          </p:nvPr>
+        </p:nvSpPr>
+        <p:spPr>
+          <a:xfrm>
+            <a:off x="381300" y="685800"/>
+            <a:ext cx="6096000" cy="3429000"/>
+          </a:xfrm>
+          <a:custGeom>
+            <a:rect b="b" l="l" r="r" t="t"/>
+            <a:pathLst>
+              <a:path extrusionOk="0" h="120000" w="120000">
+                <a:moveTo>
+                  <a:pt x="0" y="0"/>
+                </a:moveTo>
+                <a:lnTo>
+                  <a:pt x="120000" y="0"/>
+                </a:lnTo>
+                <a:lnTo>
+                  <a:pt x="120000" y="120000"/>
+                </a:lnTo>
+                <a:lnTo>
+                  <a:pt x="0" y="120000"/>
+                </a:lnTo>
+                <a:close/>
+              </a:path>
+            </a:pathLst>
+          </a:custGeom>
+        </p:spPr>
+      </p:sp>
+      <p:sp>
+        <p:nvSpPr>
+          <p:cNvPr id="403" name="Google Shape;403;g20df753b756_0_40:notes"/>
           <p:cNvSpPr txBox="1"/>
           <p:nvPr>
             <p:ph idx="1" type="body"/>
@@ -31624,6 +31724,157 @@
             </a:pPr>
             <a:r>
               <a:rPr lang="en"/>
+              <a:t>Pergunta Orientada a Dados</a:t>
+            </a:r>
+            <a:endParaRPr/>
+          </a:p>
+        </p:txBody>
+      </p:sp>
+      <p:sp>
+        <p:nvSpPr>
+          <p:cNvPr id="399" name="Google Shape;399;p51"/>
+          <p:cNvSpPr txBox="1"/>
+          <p:nvPr/>
+        </p:nvSpPr>
+        <p:spPr>
+          <a:xfrm>
+            <a:off x="720000" y="1656650"/>
+            <a:ext cx="7567800" cy="3135300"/>
+          </a:xfrm>
+          <a:prstGeom prst="rect">
+            <a:avLst/>
+          </a:prstGeom>
+          <a:noFill/>
+          <a:ln>
+            <a:noFill/>
+          </a:ln>
+        </p:spPr>
+        <p:txBody>
+          <a:bodyPr anchorCtr="0" anchor="t" bIns="91425" lIns="91425" spcFirstLastPara="1" rIns="91425" wrap="square" tIns="91425">
+            <a:noAutofit/>
+          </a:bodyPr>
+          <a:lstStyle/>
+          <a:p>
+            <a:pPr indent="0" lvl="0" marL="0" rtl="0" algn="just">
+              <a:spcBef>
+                <a:spcPts val="0"/>
+              </a:spcBef>
+              <a:spcAft>
+                <a:spcPts val="0"/>
+              </a:spcAft>
+              <a:buNone/>
+            </a:pPr>
+            <a:r>
+              <a:rPr lang="en" sz="2200">
+                <a:solidFill>
+                  <a:schemeClr val="dk2"/>
+                </a:solidFill>
+                <a:latin typeface="Roboto"/>
+                <a:ea typeface="Roboto"/>
+                <a:cs typeface="Roboto"/>
+                <a:sym typeface="Roboto"/>
+              </a:rPr>
+              <a:t>Como variaram os índices de popularidade musical (número de visualizações em plataformas de streaming, inclusões em playlists e posições em paradas musicais) ao longo de 2023, segmentados por gênero musical e região geográfica?</a:t>
+            </a:r>
+            <a:endParaRPr sz="2200">
+              <a:solidFill>
+                <a:schemeClr val="dk2"/>
+              </a:solidFill>
+              <a:latin typeface="Roboto"/>
+              <a:ea typeface="Roboto"/>
+              <a:cs typeface="Roboto"/>
+              <a:sym typeface="Roboto"/>
+            </a:endParaRPr>
+          </a:p>
+        </p:txBody>
+      </p:sp>
+      <p:pic>
+        <p:nvPicPr>
+          <p:cNvPr id="400" name="Google Shape;400;p51"/>
+          <p:cNvPicPr preferRelativeResize="0"/>
+          <p:nvPr/>
+        </p:nvPicPr>
+        <p:blipFill>
+          <a:blip r:embed="rId3">
+            <a:alphaModFix/>
+          </a:blip>
+          <a:stretch>
+            <a:fillRect/>
+          </a:stretch>
+        </p:blipFill>
+        <p:spPr>
+          <a:xfrm>
+            <a:off x="7854075" y="4387975"/>
+            <a:ext cx="1170500" cy="661750"/>
+          </a:xfrm>
+          <a:prstGeom prst="rect">
+            <a:avLst/>
+          </a:prstGeom>
+          <a:noFill/>
+          <a:ln>
+            <a:noFill/>
+          </a:ln>
+        </p:spPr>
+      </p:pic>
+    </p:spTree>
+  </p:cSld>
+  <p:clrMapOvr>
+    <a:masterClrMapping/>
+  </p:clrMapOvr>
+</p:sld>
+</file>
+
+<file path=ppt/slides/slide15.xml><?xml version="1.0" encoding="utf-8"?>
+<p:sld xmlns:a="http://schemas.openxmlformats.org/drawingml/2006/main" xmlns:r="http://schemas.openxmlformats.org/officeDocument/2006/relationships" xmlns:mc="http://schemas.openxmlformats.org/markup-compatibility/2006" xmlns:mv="urn:schemas-microsoft-com:mac:vml" xmlns:p="http://schemas.openxmlformats.org/presentationml/2006/main" xmlns:c="http://schemas.openxmlformats.org/drawingml/2006/chart" xmlns:dgm="http://schemas.openxmlformats.org/drawingml/2006/diagram" xmlns:o="urn:schemas-microsoft-com:office:office" xmlns:v="urn:schemas-microsoft-com:vml" xmlns:pvml="urn:schemas-microsoft-com:office:powerpoint" xmlns:com="http://schemas.openxmlformats.org/drawingml/2006/compatibility" xmlns:p14="http://schemas.microsoft.com/office/powerpoint/2010/main" xmlns:p15="http://schemas.microsoft.com/office/powerpoint/2012/main" xmlns:ahyp="http://schemas.microsoft.com/office/drawing/2018/hyperlinkcolor">
+  <p:cSld>
+    <p:spTree>
+      <p:nvGrpSpPr>
+        <p:cNvPr id="404" name="Shape 404"/>
+        <p:cNvGrpSpPr/>
+        <p:nvPr/>
+      </p:nvGrpSpPr>
+      <p:grpSpPr>
+        <a:xfrm>
+          <a:off x="0" y="0"/>
+          <a:ext cx="0" cy="0"/>
+          <a:chOff x="0" y="0"/>
+          <a:chExt cx="0" cy="0"/>
+        </a:xfrm>
+      </p:grpSpPr>
+      <p:sp>
+        <p:nvSpPr>
+          <p:cNvPr id="405" name="Google Shape;405;p52"/>
+          <p:cNvSpPr txBox="1"/>
+          <p:nvPr>
+            <p:ph type="title"/>
+          </p:nvPr>
+        </p:nvSpPr>
+        <p:spPr>
+          <a:xfrm>
+            <a:off x="720000" y="445025"/>
+            <a:ext cx="6787200" cy="479100"/>
+          </a:xfrm>
+          <a:prstGeom prst="rect">
+            <a:avLst/>
+          </a:prstGeom>
+        </p:spPr>
+        <p:txBody>
+          <a:bodyPr anchorCtr="0" anchor="t" bIns="91425" lIns="91425" spcFirstLastPara="1" rIns="91425" wrap="square" tIns="91425">
+            <a:noAutofit/>
+          </a:bodyPr>
+          <a:lstStyle/>
+          <a:p>
+            <a:pPr indent="0" lvl="0" marL="0" rtl="0" algn="l">
+              <a:spcBef>
+                <a:spcPts val="0"/>
+              </a:spcBef>
+              <a:spcAft>
+                <a:spcPts val="0"/>
+              </a:spcAft>
+              <a:buNone/>
+            </a:pPr>
+            <a:r>
+              <a:rPr lang="en"/>
               <a:t>Pondo em prática. . .</a:t>
             </a:r>
             <a:endParaRPr/>
@@ -31632,7 +31883,7 @@
       </p:sp>
       <p:sp>
         <p:nvSpPr>
-          <p:cNvPr id="399" name="Google Shape;399;p51"/>
+          <p:cNvPr id="406" name="Google Shape;406;p52"/>
           <p:cNvSpPr txBox="1"/>
           <p:nvPr/>
         </p:nvSpPr>
@@ -31832,7 +32083,7 @@
       </p:sp>
       <p:pic>
         <p:nvPicPr>
-          <p:cNvPr id="400" name="Google Shape;400;p51"/>
+          <p:cNvPr id="407" name="Google Shape;407;p52"/>
           <p:cNvPicPr preferRelativeResize="0"/>
           <p:nvPr/>
         </p:nvPicPr>
